--- a/linear_regression/images/regularized_regression.pptx
+++ b/linear_regression/images/regularized_regression.pptx
@@ -104,6 +104,11 @@
       </a:defRPr>
     </a:lvl9pPr>
   </p:defaultTextStyle>
+  <p:extLst>
+    <p:ext uri="{EFAFB233-063F-42B5-8137-9DF3F51BA10A}">
+      <p15:sldGuideLst xmlns:p15="http://schemas.microsoft.com/office/powerpoint/2012/main"/>
+    </p:ext>
+  </p:extLst>
 </p:presentation>
 </file>
 
@@ -3335,7 +3340,7 @@
         </p:nvGrpSpPr>
         <p:grpSpPr>
           <a:xfrm>
-            <a:off x="2264328" y="2340429"/>
+            <a:off x="2884814" y="947057"/>
             <a:ext cx="3430363" cy="1507729"/>
             <a:chOff x="2264328" y="2340429"/>
             <a:chExt cx="3430363" cy="1507729"/>
@@ -3390,8 +3395,8 @@
             </a:p>
           </p:txBody>
         </p:sp>
-        <mc:AlternateContent xmlns:mc="http://schemas.openxmlformats.org/markup-compatibility/2006">
-          <mc:Choice xmlns:a14="http://schemas.microsoft.com/office/drawing/2010/main" Requires="a14">
+        <mc:AlternateContent xmlns:mc="http://schemas.openxmlformats.org/markup-compatibility/2006" xmlns:a14="http://schemas.microsoft.com/office/drawing/2010/main">
+          <mc:Choice Requires="a14">
             <p:sp>
               <p:nvSpPr>
                 <p:cNvPr id="2" name="TextBox 1">
@@ -3420,6 +3425,7 @@
                 </a:bodyPr>
                 <a:lstStyle/>
                 <a:p>
+                  <a:pPr/>
                   <a14:m>
                     <m:oMathPara xmlns:m="http://schemas.openxmlformats.org/officeDocument/2006/math">
                       <m:oMathParaPr>
@@ -3704,7 +3710,7 @@
               </p:txBody>
             </p:sp>
           </mc:Choice>
-          <mc:Fallback>
+          <mc:Fallback xmlns="">
             <p:sp>
               <p:nvSpPr>
                 <p:cNvPr id="2" name="TextBox 1">
@@ -3801,7 +3807,7 @@
             </p:nvSpPr>
             <p:spPr>
               <a:xfrm>
-                <a:off x="7550508" y="2308890"/>
+                <a:off x="8170994" y="915518"/>
                 <a:ext cx="1184875" cy="1169936"/>
               </a:xfrm>
               <a:prstGeom prst="rect">
@@ -3815,6 +3821,7 @@
               </a:bodyPr>
               <a:lstStyle/>
               <a:p>
+                <a:pPr/>
                 <a14:m>
                   <m:oMathPara xmlns:m="http://schemas.openxmlformats.org/officeDocument/2006/math">
                     <m:oMathParaPr>
@@ -3954,7 +3961,7 @@
             </p:nvSpPr>
             <p:spPr>
               <a:xfrm>
-                <a:off x="7550508" y="2308890"/>
+                <a:off x="8170994" y="915518"/>
                 <a:ext cx="1184875" cy="1169936"/>
               </a:xfrm>
               <a:prstGeom prst="rect">
@@ -3963,7 +3970,7 @@
               <a:blipFill>
                 <a:blip r:embed="rId3"/>
                 <a:stretch>
-                  <a:fillRect l="-48387" t="-58065" b="-97849"/>
+                  <a:fillRect l="-48387" t="-59783" b="-98913"/>
                 </a:stretch>
               </a:blipFill>
             </p:spPr>
@@ -3996,7 +4003,7 @@
         </p:nvSpPr>
         <p:spPr>
           <a:xfrm>
-            <a:off x="7631426" y="1939558"/>
+            <a:off x="8251912" y="546186"/>
             <a:ext cx="1023037" cy="369332"/>
           </a:xfrm>
           <a:prstGeom prst="rect">
@@ -4013,6 +4020,664 @@
             <a:r>
               <a:rPr lang="en-US" dirty="0"/>
               <a:t>L2 norm:</a:t>
+            </a:r>
+          </a:p>
+        </p:txBody>
+      </p:sp>
+      <p:grpSp>
+        <p:nvGrpSpPr>
+          <p:cNvPr id="8" name="Group 7">
+            <a:extLst>
+              <a:ext uri="{FF2B5EF4-FFF2-40B4-BE49-F238E27FC236}">
+                <a16:creationId xmlns:a16="http://schemas.microsoft.com/office/drawing/2014/main" id="{C9242011-469E-3444-B9B3-381E25CB828E}"/>
+              </a:ext>
+            </a:extLst>
+          </p:cNvPr>
+          <p:cNvGrpSpPr/>
+          <p:nvPr/>
+        </p:nvGrpSpPr>
+        <p:grpSpPr>
+          <a:xfrm>
+            <a:off x="2841373" y="4403215"/>
+            <a:ext cx="3417859" cy="1507729"/>
+            <a:chOff x="2264328" y="2340429"/>
+            <a:chExt cx="3417859" cy="1507729"/>
+          </a:xfrm>
+        </p:grpSpPr>
+        <p:sp>
+          <p:nvSpPr>
+            <p:cNvPr id="9" name="Rectangle 8">
+              <a:extLst>
+                <a:ext uri="{FF2B5EF4-FFF2-40B4-BE49-F238E27FC236}">
+                  <a16:creationId xmlns:a16="http://schemas.microsoft.com/office/drawing/2014/main" id="{8D708912-287A-5748-8E7F-7576B3B6E9D9}"/>
+                </a:ext>
+              </a:extLst>
+            </p:cNvPr>
+            <p:cNvSpPr/>
+            <p:nvPr/>
+          </p:nvSpPr>
+          <p:spPr>
+            <a:xfrm>
+              <a:off x="4713514" y="2340429"/>
+              <a:ext cx="859972" cy="1088571"/>
+            </a:xfrm>
+            <a:prstGeom prst="rect">
+              <a:avLst/>
+            </a:prstGeom>
+            <a:ln>
+              <a:noFill/>
+            </a:ln>
+          </p:spPr>
+          <p:style>
+            <a:lnRef idx="2">
+              <a:schemeClr val="accent4">
+                <a:shade val="50000"/>
+              </a:schemeClr>
+            </a:lnRef>
+            <a:fillRef idx="1">
+              <a:schemeClr val="accent4"/>
+            </a:fillRef>
+            <a:effectRef idx="0">
+              <a:schemeClr val="accent4"/>
+            </a:effectRef>
+            <a:fontRef idx="minor">
+              <a:schemeClr val="lt1"/>
+            </a:fontRef>
+          </p:style>
+          <p:txBody>
+            <a:bodyPr rtlCol="0" anchor="ctr"/>
+            <a:lstStyle/>
+            <a:p>
+              <a:pPr algn="ctr"/>
+              <a:endParaRPr lang="en-US"/>
+            </a:p>
+          </p:txBody>
+        </p:sp>
+        <mc:AlternateContent xmlns:mc="http://schemas.openxmlformats.org/markup-compatibility/2006">
+          <mc:Choice xmlns:a14="http://schemas.microsoft.com/office/drawing/2010/main" Requires="a14">
+            <p:sp>
+              <p:nvSpPr>
+                <p:cNvPr id="10" name="TextBox 9">
+                  <a:extLst>
+                    <a:ext uri="{FF2B5EF4-FFF2-40B4-BE49-F238E27FC236}">
+                      <a16:creationId xmlns:a16="http://schemas.microsoft.com/office/drawing/2014/main" id="{95036201-E597-2D44-9CD1-9A5761A2F89E}"/>
+                    </a:ext>
+                  </a:extLst>
+                </p:cNvPr>
+                <p:cNvSpPr txBox="1"/>
+                <p:nvPr/>
+              </p:nvSpPr>
+              <p:spPr>
+                <a:xfrm>
+                  <a:off x="2307771" y="2340429"/>
+                  <a:ext cx="3300455" cy="1038746"/>
+                </a:xfrm>
+                <a:prstGeom prst="rect">
+                  <a:avLst/>
+                </a:prstGeom>
+                <a:noFill/>
+              </p:spPr>
+              <p:txBody>
+                <a:bodyPr wrap="none" rtlCol="0">
+                  <a:spAutoFit/>
+                </a:bodyPr>
+                <a:lstStyle/>
+                <a:p>
+                  <a:pPr/>
+                  <a14:m>
+                    <m:oMathPara xmlns:m="http://schemas.openxmlformats.org/officeDocument/2006/math">
+                      <m:oMathParaPr>
+                        <m:jc m:val="centerGroup"/>
+                      </m:oMathParaPr>
+                      <m:oMath xmlns:m="http://schemas.openxmlformats.org/officeDocument/2006/math">
+                        <m:nary>
+                          <m:naryPr>
+                            <m:chr m:val="∑"/>
+                            <m:ctrlPr>
+                              <a:rPr lang="en-US" i="1" smtClean="0">
+                                <a:latin typeface="Cambria Math" panose="02040503050406030204" pitchFamily="18" charset="0"/>
+                              </a:rPr>
+                            </m:ctrlPr>
+                          </m:naryPr>
+                          <m:sub>
+                            <m:r>
+                              <m:rPr>
+                                <m:brk m:alnAt="23"/>
+                              </m:rPr>
+                              <a:rPr lang="en-US" b="0" i="1" smtClean="0">
+                                <a:latin typeface="Cambria Math" panose="02040503050406030204" pitchFamily="18" charset="0"/>
+                              </a:rPr>
+                              <m:t>𝑖</m:t>
+                            </m:r>
+                            <m:r>
+                              <a:rPr lang="en-US" b="0" i="1" smtClean="0">
+                                <a:latin typeface="Cambria Math" panose="02040503050406030204" pitchFamily="18" charset="0"/>
+                              </a:rPr>
+                              <m:t>=1</m:t>
+                            </m:r>
+                          </m:sub>
+                          <m:sup>
+                            <m:r>
+                              <a:rPr lang="en-US" b="0" i="1" smtClean="0">
+                                <a:latin typeface="Cambria Math" panose="02040503050406030204" pitchFamily="18" charset="0"/>
+                              </a:rPr>
+                              <m:t>𝑛</m:t>
+                            </m:r>
+                          </m:sup>
+                          <m:e>
+                            <m:sSup>
+                              <m:sSupPr>
+                                <m:ctrlPr>
+                                  <a:rPr lang="en-US" i="1" smtClean="0">
+                                    <a:latin typeface="Cambria Math" panose="02040503050406030204" pitchFamily="18" charset="0"/>
+                                  </a:rPr>
+                                </m:ctrlPr>
+                              </m:sSupPr>
+                              <m:e>
+                                <m:d>
+                                  <m:dPr>
+                                    <m:ctrlPr>
+                                      <a:rPr lang="en-US" i="1" smtClean="0">
+                                        <a:latin typeface="Cambria Math" panose="02040503050406030204" pitchFamily="18" charset="0"/>
+                                      </a:rPr>
+                                    </m:ctrlPr>
+                                  </m:dPr>
+                                  <m:e>
+                                    <m:sSub>
+                                      <m:sSubPr>
+                                        <m:ctrlPr>
+                                          <a:rPr lang="en-US" i="1" smtClean="0">
+                                            <a:latin typeface="Cambria Math" panose="02040503050406030204" pitchFamily="18" charset="0"/>
+                                          </a:rPr>
+                                        </m:ctrlPr>
+                                      </m:sSubPr>
+                                      <m:e>
+                                        <m:r>
+                                          <a:rPr lang="en-US" b="0" i="1" smtClean="0">
+                                            <a:latin typeface="Cambria Math" panose="02040503050406030204" pitchFamily="18" charset="0"/>
+                                          </a:rPr>
+                                          <m:t>𝑦</m:t>
+                                        </m:r>
+                                      </m:e>
+                                      <m:sub>
+                                        <m:r>
+                                          <a:rPr lang="en-US" b="0" i="1" smtClean="0">
+                                            <a:latin typeface="Cambria Math" panose="02040503050406030204" pitchFamily="18" charset="0"/>
+                                          </a:rPr>
+                                          <m:t>𝑖</m:t>
+                                        </m:r>
+                                      </m:sub>
+                                    </m:sSub>
+                                    <m:r>
+                                      <a:rPr lang="en-US" b="0" i="1" smtClean="0">
+                                        <a:latin typeface="Cambria Math" panose="02040503050406030204" pitchFamily="18" charset="0"/>
+                                      </a:rPr>
+                                      <m:t>−</m:t>
+                                    </m:r>
+                                    <m:nary>
+                                      <m:naryPr>
+                                        <m:chr m:val="∑"/>
+                                        <m:ctrlPr>
+                                          <a:rPr lang="en-US" b="0" i="1" smtClean="0">
+                                            <a:latin typeface="Cambria Math" panose="02040503050406030204" pitchFamily="18" charset="0"/>
+                                          </a:rPr>
+                                        </m:ctrlPr>
+                                      </m:naryPr>
+                                      <m:sub>
+                                        <m:r>
+                                          <m:rPr>
+                                            <m:brk m:alnAt="23"/>
+                                          </m:rPr>
+                                          <a:rPr lang="en-US" b="0" i="1" smtClean="0">
+                                            <a:latin typeface="Cambria Math" panose="02040503050406030204" pitchFamily="18" charset="0"/>
+                                          </a:rPr>
+                                          <m:t>𝑗</m:t>
+                                        </m:r>
+                                        <m:r>
+                                          <a:rPr lang="en-US" b="0" i="1" smtClean="0">
+                                            <a:latin typeface="Cambria Math" panose="02040503050406030204" pitchFamily="18" charset="0"/>
+                                          </a:rPr>
+                                          <m:t>=1</m:t>
+                                        </m:r>
+                                      </m:sub>
+                                      <m:sup>
+                                        <m:r>
+                                          <a:rPr lang="en-US" b="0" i="1" smtClean="0">
+                                            <a:latin typeface="Cambria Math" panose="02040503050406030204" pitchFamily="18" charset="0"/>
+                                          </a:rPr>
+                                          <m:t>𝑝</m:t>
+                                        </m:r>
+                                      </m:sup>
+                                      <m:e>
+                                        <m:sSub>
+                                          <m:sSubPr>
+                                            <m:ctrlPr>
+                                              <a:rPr lang="en-US" b="0" i="1" smtClean="0">
+                                                <a:latin typeface="Cambria Math" panose="02040503050406030204" pitchFamily="18" charset="0"/>
+                                              </a:rPr>
+                                            </m:ctrlPr>
+                                          </m:sSubPr>
+                                          <m:e>
+                                            <m:r>
+                                              <a:rPr lang="en-US" b="0" i="1" smtClean="0">
+                                                <a:latin typeface="Cambria Math" panose="02040503050406030204" pitchFamily="18" charset="0"/>
+                                              </a:rPr>
+                                              <m:t>𝑥</m:t>
+                                            </m:r>
+                                          </m:e>
+                                          <m:sub>
+                                            <m:r>
+                                              <a:rPr lang="en-US" b="0" i="1" smtClean="0">
+                                                <a:latin typeface="Cambria Math" panose="02040503050406030204" pitchFamily="18" charset="0"/>
+                                              </a:rPr>
+                                              <m:t>𝑖𝑗</m:t>
+                                            </m:r>
+                                          </m:sub>
+                                        </m:sSub>
+                                        <m:sSub>
+                                          <m:sSubPr>
+                                            <m:ctrlPr>
+                                              <a:rPr lang="en-US" b="0" i="1" smtClean="0">
+                                                <a:latin typeface="Cambria Math" panose="02040503050406030204" pitchFamily="18" charset="0"/>
+                                              </a:rPr>
+                                            </m:ctrlPr>
+                                          </m:sSubPr>
+                                          <m:e>
+                                            <m:r>
+                                              <a:rPr lang="en-US" b="0" i="1" smtClean="0">
+                                                <a:latin typeface="Cambria Math" panose="02040503050406030204" pitchFamily="18" charset="0"/>
+                                                <a:ea typeface="Cambria Math" panose="02040503050406030204" pitchFamily="18" charset="0"/>
+                                              </a:rPr>
+                                              <m:t>𝛽</m:t>
+                                            </m:r>
+                                          </m:e>
+                                          <m:sub>
+                                            <m:r>
+                                              <a:rPr lang="en-US" b="0" i="1" smtClean="0">
+                                                <a:latin typeface="Cambria Math" panose="02040503050406030204" pitchFamily="18" charset="0"/>
+                                              </a:rPr>
+                                              <m:t>𝑗</m:t>
+                                            </m:r>
+                                          </m:sub>
+                                        </m:sSub>
+                                      </m:e>
+                                    </m:nary>
+                                  </m:e>
+                                </m:d>
+                              </m:e>
+                              <m:sup>
+                                <m:r>
+                                  <a:rPr lang="en-US" b="0" i="1" smtClean="0">
+                                    <a:latin typeface="Cambria Math" panose="02040503050406030204" pitchFamily="18" charset="0"/>
+                                  </a:rPr>
+                                  <m:t>2</m:t>
+                                </m:r>
+                              </m:sup>
+                            </m:sSup>
+                            <m:r>
+                              <a:rPr lang="en-US" b="0" i="1" smtClean="0">
+                                <a:latin typeface="Cambria Math" panose="02040503050406030204" pitchFamily="18" charset="0"/>
+                              </a:rPr>
+                              <m:t>+</m:t>
+                            </m:r>
+                            <m:r>
+                              <a:rPr lang="en-US" b="0" i="1" smtClean="0">
+                                <a:latin typeface="Cambria Math" panose="02040503050406030204" pitchFamily="18" charset="0"/>
+                                <a:ea typeface="Cambria Math" panose="02040503050406030204" pitchFamily="18" charset="0"/>
+                              </a:rPr>
+                              <m:t>𝜆</m:t>
+                            </m:r>
+                            <m:nary>
+                              <m:naryPr>
+                                <m:chr m:val="∑"/>
+                                <m:ctrlPr>
+                                  <a:rPr lang="en-US" b="0" i="1" smtClean="0">
+                                    <a:latin typeface="Cambria Math" panose="02040503050406030204" pitchFamily="18" charset="0"/>
+                                  </a:rPr>
+                                </m:ctrlPr>
+                              </m:naryPr>
+                              <m:sub>
+                                <m:r>
+                                  <m:rPr>
+                                    <m:brk m:alnAt="23"/>
+                                  </m:rPr>
+                                  <a:rPr lang="en-US" b="0" i="1" smtClean="0">
+                                    <a:latin typeface="Cambria Math" panose="02040503050406030204" pitchFamily="18" charset="0"/>
+                                  </a:rPr>
+                                  <m:t>𝑗</m:t>
+                                </m:r>
+                                <m:r>
+                                  <a:rPr lang="en-US" b="0" i="1" smtClean="0">
+                                    <a:latin typeface="Cambria Math" panose="02040503050406030204" pitchFamily="18" charset="0"/>
+                                  </a:rPr>
+                                  <m:t>=1</m:t>
+                                </m:r>
+                              </m:sub>
+                              <m:sup>
+                                <m:r>
+                                  <a:rPr lang="en-US" b="0" i="1" smtClean="0">
+                                    <a:latin typeface="Cambria Math" panose="02040503050406030204" pitchFamily="18" charset="0"/>
+                                  </a:rPr>
+                                  <m:t>𝑝</m:t>
+                                </m:r>
+                              </m:sup>
+                              <m:e>
+                                <m:sSub>
+                                  <m:sSubPr>
+                                    <m:ctrlPr>
+                                      <a:rPr lang="en-US" b="0" i="1" smtClean="0">
+                                        <a:latin typeface="Cambria Math" panose="02040503050406030204" pitchFamily="18" charset="0"/>
+                                      </a:rPr>
+                                    </m:ctrlPr>
+                                  </m:sSubPr>
+                                  <m:e>
+                                    <m:r>
+                                      <a:rPr lang="en-US" b="0" i="1" smtClean="0">
+                                        <a:latin typeface="Cambria Math" panose="02040503050406030204" pitchFamily="18" charset="0"/>
+                                        <a:ea typeface="Cambria Math" panose="02040503050406030204" pitchFamily="18" charset="0"/>
+                                      </a:rPr>
+                                      <m:t>𝛽</m:t>
+                                    </m:r>
+                                  </m:e>
+                                  <m:sub>
+                                    <m:r>
+                                      <a:rPr lang="en-US" b="0" i="1" smtClean="0">
+                                        <a:latin typeface="Cambria Math" panose="02040503050406030204" pitchFamily="18" charset="0"/>
+                                      </a:rPr>
+                                      <m:t>𝑗</m:t>
+                                    </m:r>
+                                  </m:sub>
+                                </m:sSub>
+                              </m:e>
+                            </m:nary>
+                          </m:e>
+                        </m:nary>
+                      </m:oMath>
+                    </m:oMathPara>
+                  </a14:m>
+                  <a:endParaRPr lang="en-US" dirty="0"/>
+                </a:p>
+              </p:txBody>
+            </p:sp>
+          </mc:Choice>
+          <mc:Fallback>
+            <p:sp>
+              <p:nvSpPr>
+                <p:cNvPr id="10" name="TextBox 9">
+                  <a:extLst>
+                    <a:ext uri="{FF2B5EF4-FFF2-40B4-BE49-F238E27FC236}">
+                      <a16:creationId xmlns:a16="http://schemas.microsoft.com/office/drawing/2014/main" id="{95036201-E597-2D44-9CD1-9A5761A2F89E}"/>
+                    </a:ext>
+                  </a:extLst>
+                </p:cNvPr>
+                <p:cNvSpPr txBox="1">
+                  <a:spLocks noRot="1" noChangeAspect="1" noMove="1" noResize="1" noEditPoints="1" noAdjustHandles="1" noChangeArrowheads="1" noChangeShapeType="1" noTextEdit="1"/>
+                </p:cNvSpPr>
+                <p:nvPr/>
+              </p:nvSpPr>
+              <p:spPr>
+                <a:xfrm>
+                  <a:off x="2307771" y="2340429"/>
+                  <a:ext cx="3300455" cy="1038746"/>
+                </a:xfrm>
+                <a:prstGeom prst="rect">
+                  <a:avLst/>
+                </a:prstGeom>
+                <a:blipFill>
+                  <a:blip r:embed="rId4"/>
+                  <a:stretch>
+                    <a:fillRect l="-22308" t="-70732" r="-5769" b="-119512"/>
+                  </a:stretch>
+                </a:blipFill>
+              </p:spPr>
+              <p:txBody>
+                <a:bodyPr/>
+                <a:lstStyle/>
+                <a:p>
+                  <a:r>
+                    <a:rPr lang="en-US">
+                      <a:noFill/>
+                    </a:rPr>
+                    <a:t> </a:t>
+                  </a:r>
+                </a:p>
+              </p:txBody>
+            </p:sp>
+          </mc:Fallback>
+        </mc:AlternateContent>
+        <p:sp>
+          <p:nvSpPr>
+            <p:cNvPr id="11" name="TextBox 10">
+              <a:extLst>
+                <a:ext uri="{FF2B5EF4-FFF2-40B4-BE49-F238E27FC236}">
+                  <a16:creationId xmlns:a16="http://schemas.microsoft.com/office/drawing/2014/main" id="{C50CED89-DF9C-3143-95D4-D48D22169677}"/>
+                </a:ext>
+              </a:extLst>
+            </p:cNvPr>
+            <p:cNvSpPr txBox="1"/>
+            <p:nvPr/>
+          </p:nvSpPr>
+          <p:spPr>
+            <a:xfrm>
+              <a:off x="2264328" y="3478826"/>
+              <a:ext cx="3417859" cy="369332"/>
+            </a:xfrm>
+            <a:prstGeom prst="rect">
+              <a:avLst/>
+            </a:prstGeom>
+            <a:noFill/>
+          </p:spPr>
+          <p:txBody>
+            <a:bodyPr wrap="none" rtlCol="0">
+              <a:spAutoFit/>
+            </a:bodyPr>
+            <a:lstStyle/>
+            <a:p>
+              <a:r>
+                <a:rPr lang="en-US" dirty="0"/>
+                <a:t>Cost Function for Lasso Regression</a:t>
+              </a:r>
+            </a:p>
+          </p:txBody>
+        </p:sp>
+      </p:grpSp>
+      <mc:AlternateContent xmlns:mc="http://schemas.openxmlformats.org/markup-compatibility/2006">
+        <mc:Choice xmlns:a14="http://schemas.microsoft.com/office/drawing/2010/main" Requires="a14">
+          <p:sp>
+            <p:nvSpPr>
+              <p:cNvPr id="12" name="TextBox 11">
+                <a:extLst>
+                  <a:ext uri="{FF2B5EF4-FFF2-40B4-BE49-F238E27FC236}">
+                    <a16:creationId xmlns:a16="http://schemas.microsoft.com/office/drawing/2014/main" id="{545BF218-02A4-844F-B609-50D42E4C57B8}"/>
+                  </a:ext>
+                </a:extLst>
+              </p:cNvPr>
+              <p:cNvSpPr txBox="1"/>
+              <p:nvPr/>
+            </p:nvSpPr>
+            <p:spPr>
+              <a:xfrm>
+                <a:off x="8127553" y="4371676"/>
+                <a:ext cx="900375" cy="879856"/>
+              </a:xfrm>
+              <a:prstGeom prst="rect">
+                <a:avLst/>
+              </a:prstGeom>
+              <a:noFill/>
+            </p:spPr>
+            <p:txBody>
+              <a:bodyPr wrap="none" rtlCol="0">
+                <a:spAutoFit/>
+              </a:bodyPr>
+              <a:lstStyle/>
+              <a:p>
+                <a:pPr/>
+                <a14:m>
+                  <m:oMathPara xmlns:m="http://schemas.openxmlformats.org/officeDocument/2006/math">
+                    <m:oMathParaPr>
+                      <m:jc m:val="centerGroup"/>
+                    </m:oMathParaPr>
+                    <m:oMath xmlns:m="http://schemas.openxmlformats.org/officeDocument/2006/math">
+                      <m:nary>
+                        <m:naryPr>
+                          <m:chr m:val="∑"/>
+                          <m:ctrlPr>
+                            <a:rPr lang="en-US" i="1">
+                              <a:latin typeface="Cambria Math" panose="02040503050406030204" pitchFamily="18" charset="0"/>
+                            </a:rPr>
+                          </m:ctrlPr>
+                        </m:naryPr>
+                        <m:sub>
+                          <m:r>
+                            <m:rPr>
+                              <m:brk m:alnAt="23"/>
+                            </m:rPr>
+                            <a:rPr lang="en-US" i="1">
+                              <a:latin typeface="Cambria Math" panose="02040503050406030204" pitchFamily="18" charset="0"/>
+                            </a:rPr>
+                            <m:t>𝑗</m:t>
+                          </m:r>
+                          <m:r>
+                            <a:rPr lang="en-US" i="1">
+                              <a:latin typeface="Cambria Math" panose="02040503050406030204" pitchFamily="18" charset="0"/>
+                            </a:rPr>
+                            <m:t>=1</m:t>
+                          </m:r>
+                        </m:sub>
+                        <m:sup>
+                          <m:r>
+                            <a:rPr lang="en-US" i="1">
+                              <a:latin typeface="Cambria Math" panose="02040503050406030204" pitchFamily="18" charset="0"/>
+                            </a:rPr>
+                            <m:t>𝑝</m:t>
+                          </m:r>
+                        </m:sup>
+                        <m:e>
+                          <m:d>
+                            <m:dPr>
+                              <m:begChr m:val="|"/>
+                              <m:endChr m:val="|"/>
+                              <m:ctrlPr>
+                                <a:rPr lang="en-US" i="1">
+                                  <a:latin typeface="Cambria Math" panose="02040503050406030204" pitchFamily="18" charset="0"/>
+                                </a:rPr>
+                              </m:ctrlPr>
+                            </m:dPr>
+                            <m:e>
+                              <m:sSub>
+                                <m:sSubPr>
+                                  <m:ctrlPr>
+                                    <a:rPr lang="en-US" i="1">
+                                      <a:latin typeface="Cambria Math" panose="02040503050406030204" pitchFamily="18" charset="0"/>
+                                    </a:rPr>
+                                  </m:ctrlPr>
+                                </m:sSubPr>
+                                <m:e>
+                                  <m:r>
+                                    <a:rPr lang="en-US" i="1">
+                                      <a:latin typeface="Cambria Math" panose="02040503050406030204" pitchFamily="18" charset="0"/>
+                                      <a:ea typeface="Cambria Math" panose="02040503050406030204" pitchFamily="18" charset="0"/>
+                                    </a:rPr>
+                                    <m:t>𝛽</m:t>
+                                  </m:r>
+                                </m:e>
+                                <m:sub>
+                                  <m:r>
+                                    <a:rPr lang="en-US" i="1">
+                                      <a:latin typeface="Cambria Math" panose="02040503050406030204" pitchFamily="18" charset="0"/>
+                                    </a:rPr>
+                                    <m:t>𝑗</m:t>
+                                  </m:r>
+                                </m:sub>
+                              </m:sSub>
+                            </m:e>
+                          </m:d>
+                        </m:e>
+                      </m:nary>
+                    </m:oMath>
+                  </m:oMathPara>
+                </a14:m>
+                <a:endParaRPr lang="en-US" dirty="0"/>
+              </a:p>
+            </p:txBody>
+          </p:sp>
+        </mc:Choice>
+        <mc:Fallback>
+          <p:sp>
+            <p:nvSpPr>
+              <p:cNvPr id="12" name="TextBox 11">
+                <a:extLst>
+                  <a:ext uri="{FF2B5EF4-FFF2-40B4-BE49-F238E27FC236}">
+                    <a16:creationId xmlns:a16="http://schemas.microsoft.com/office/drawing/2014/main" id="{545BF218-02A4-844F-B609-50D42E4C57B8}"/>
+                  </a:ext>
+                </a:extLst>
+              </p:cNvPr>
+              <p:cNvSpPr txBox="1">
+                <a:spLocks noRot="1" noChangeAspect="1" noMove="1" noResize="1" noEditPoints="1" noAdjustHandles="1" noChangeArrowheads="1" noChangeShapeType="1" noTextEdit="1"/>
+              </p:cNvSpPr>
+              <p:nvPr/>
+            </p:nvSpPr>
+            <p:spPr>
+              <a:xfrm>
+                <a:off x="8127553" y="4371676"/>
+                <a:ext cx="900375" cy="879856"/>
+              </a:xfrm>
+              <a:prstGeom prst="rect">
+                <a:avLst/>
+              </a:prstGeom>
+              <a:blipFill>
+                <a:blip r:embed="rId5"/>
+                <a:stretch>
+                  <a:fillRect l="-81690" t="-98551" r="-11268" b="-147826"/>
+                </a:stretch>
+              </a:blipFill>
+            </p:spPr>
+            <p:txBody>
+              <a:bodyPr/>
+              <a:lstStyle/>
+              <a:p>
+                <a:r>
+                  <a:rPr lang="en-US">
+                    <a:noFill/>
+                  </a:rPr>
+                  <a:t> </a:t>
+                </a:r>
+              </a:p>
+            </p:txBody>
+          </p:sp>
+        </mc:Fallback>
+      </mc:AlternateContent>
+      <p:sp>
+        <p:nvSpPr>
+          <p:cNvPr id="13" name="TextBox 12">
+            <a:extLst>
+              <a:ext uri="{FF2B5EF4-FFF2-40B4-BE49-F238E27FC236}">
+                <a16:creationId xmlns:a16="http://schemas.microsoft.com/office/drawing/2014/main" id="{0696E1D4-0F19-E342-BD10-9FA37C8FAAA6}"/>
+              </a:ext>
+            </a:extLst>
+          </p:cNvPr>
+          <p:cNvSpPr txBox="1"/>
+          <p:nvPr/>
+        </p:nvSpPr>
+        <p:spPr>
+          <a:xfrm>
+            <a:off x="8208471" y="4002344"/>
+            <a:ext cx="1023037" cy="369332"/>
+          </a:xfrm>
+          <a:prstGeom prst="rect">
+            <a:avLst/>
+          </a:prstGeom>
+          <a:noFill/>
+        </p:spPr>
+        <p:txBody>
+          <a:bodyPr wrap="none" rtlCol="0">
+            <a:spAutoFit/>
+          </a:bodyPr>
+          <a:lstStyle/>
+          <a:p>
+            <a:r>
+              <a:rPr lang="en-US" dirty="0"/>
+              <a:t>L1 norm:</a:t>
             </a:r>
           </a:p>
         </p:txBody>

--- a/linear_regression/images/regularized_regression.pptx
+++ b/linear_regression/images/regularized_regression.pptx
@@ -3791,8 +3791,8 @@
           </p:txBody>
         </p:sp>
       </p:grpSp>
-      <mc:AlternateContent xmlns:mc="http://schemas.openxmlformats.org/markup-compatibility/2006">
-        <mc:Choice xmlns:a14="http://schemas.microsoft.com/office/drawing/2010/main" Requires="a14">
+      <mc:AlternateContent xmlns:mc="http://schemas.openxmlformats.org/markup-compatibility/2006" xmlns:a14="http://schemas.microsoft.com/office/drawing/2010/main">
+        <mc:Choice Requires="a14">
           <p:sp>
             <p:nvSpPr>
               <p:cNvPr id="6" name="TextBox 5">
@@ -3944,7 +3944,7 @@
             </p:txBody>
           </p:sp>
         </mc:Choice>
-        <mc:Fallback>
+        <mc:Fallback xmlns="">
           <p:sp>
             <p:nvSpPr>
               <p:cNvPr id="6" name="TextBox 5">
@@ -4039,9 +4039,9 @@
         <p:grpSpPr>
           <a:xfrm>
             <a:off x="2841373" y="4403215"/>
-            <a:ext cx="3417859" cy="1507729"/>
+            <a:ext cx="3451491" cy="1507729"/>
             <a:chOff x="2264328" y="2340429"/>
-            <a:chExt cx="3417859" cy="1507729"/>
+            <a:chExt cx="3451491" cy="1507729"/>
           </a:xfrm>
         </p:grpSpPr>
         <p:sp>
@@ -4110,7 +4110,7 @@
               <p:spPr>
                 <a:xfrm>
                   <a:off x="2307771" y="2340429"/>
-                  <a:ext cx="3300455" cy="1038746"/>
+                  <a:ext cx="3408048" cy="1038746"/>
                 </a:xfrm>
                 <a:prstGeom prst="rect">
                   <a:avLst/>
@@ -4362,32 +4362,45 @@
                                 </m:r>
                               </m:sup>
                               <m:e>
-                                <m:sSub>
-                                  <m:sSubPr>
+                                <m:d>
+                                  <m:dPr>
+                                    <m:begChr m:val="|"/>
+                                    <m:endChr m:val="|"/>
                                     <m:ctrlPr>
                                       <a:rPr lang="en-US" b="0" i="1" smtClean="0">
                                         <a:latin typeface="Cambria Math" panose="02040503050406030204" pitchFamily="18" charset="0"/>
                                       </a:rPr>
                                     </m:ctrlPr>
-                                  </m:sSubPr>
+                                  </m:dPr>
                                   <m:e>
-                                    <m:r>
-                                      <a:rPr lang="en-US" b="0" i="1" smtClean="0">
-                                        <a:latin typeface="Cambria Math" panose="02040503050406030204" pitchFamily="18" charset="0"/>
-                                        <a:ea typeface="Cambria Math" panose="02040503050406030204" pitchFamily="18" charset="0"/>
-                                      </a:rPr>
-                                      <m:t>𝛽</m:t>
-                                    </m:r>
+                                    <m:sSub>
+                                      <m:sSubPr>
+                                        <m:ctrlPr>
+                                          <a:rPr lang="en-US" b="0" i="1" smtClean="0">
+                                            <a:latin typeface="Cambria Math" panose="02040503050406030204" pitchFamily="18" charset="0"/>
+                                          </a:rPr>
+                                        </m:ctrlPr>
+                                      </m:sSubPr>
+                                      <m:e>
+                                        <m:r>
+                                          <a:rPr lang="en-US" b="0" i="1" smtClean="0">
+                                            <a:latin typeface="Cambria Math" panose="02040503050406030204" pitchFamily="18" charset="0"/>
+                                            <a:ea typeface="Cambria Math" panose="02040503050406030204" pitchFamily="18" charset="0"/>
+                                          </a:rPr>
+                                          <m:t>𝛽</m:t>
+                                        </m:r>
+                                      </m:e>
+                                      <m:sub>
+                                        <m:r>
+                                          <a:rPr lang="en-US" b="0" i="1" smtClean="0">
+                                            <a:latin typeface="Cambria Math" panose="02040503050406030204" pitchFamily="18" charset="0"/>
+                                          </a:rPr>
+                                          <m:t>𝑗</m:t>
+                                        </m:r>
+                                      </m:sub>
+                                    </m:sSub>
                                   </m:e>
-                                  <m:sub>
-                                    <m:r>
-                                      <a:rPr lang="en-US" b="0" i="1" smtClean="0">
-                                        <a:latin typeface="Cambria Math" panose="02040503050406030204" pitchFamily="18" charset="0"/>
-                                      </a:rPr>
-                                      <m:t>𝑗</m:t>
-                                    </m:r>
-                                  </m:sub>
-                                </m:sSub>
+                                </m:d>
                               </m:e>
                             </m:nary>
                           </m:e>
@@ -4418,7 +4431,7 @@
               <p:spPr>
                 <a:xfrm>
                   <a:off x="2307771" y="2340429"/>
-                  <a:ext cx="3300455" cy="1038746"/>
+                  <a:ext cx="3408048" cy="1038746"/>
                 </a:xfrm>
                 <a:prstGeom prst="rect">
                   <a:avLst/>
@@ -4426,7 +4439,7 @@
                 <a:blipFill>
                   <a:blip r:embed="rId4"/>
                   <a:stretch>
-                    <a:fillRect l="-22308" t="-70732" r="-5769" b="-119512"/>
+                    <a:fillRect l="-21642" t="-70732" r="-2612" b="-119512"/>
                   </a:stretch>
                 </a:blipFill>
               </p:spPr>
@@ -4481,8 +4494,8 @@
           </p:txBody>
         </p:sp>
       </p:grpSp>
-      <mc:AlternateContent xmlns:mc="http://schemas.openxmlformats.org/markup-compatibility/2006">
-        <mc:Choice xmlns:a14="http://schemas.microsoft.com/office/drawing/2010/main" Requires="a14">
+      <mc:AlternateContent xmlns:mc="http://schemas.openxmlformats.org/markup-compatibility/2006" xmlns:a14="http://schemas.microsoft.com/office/drawing/2010/main">
+        <mc:Choice Requires="a14">
           <p:sp>
             <p:nvSpPr>
               <p:cNvPr id="12" name="TextBox 11">
@@ -4602,7 +4615,7 @@
             </p:txBody>
           </p:sp>
         </mc:Choice>
-        <mc:Fallback>
+        <mc:Fallback xmlns="">
           <p:sp>
             <p:nvSpPr>
               <p:cNvPr id="12" name="TextBox 11">

--- a/linear_regression/images/regularized_regression.pptx
+++ b/linear_regression/images/regularized_regression.pptx
@@ -4026,10 +4026,10 @@
       </p:sp>
       <p:grpSp>
         <p:nvGrpSpPr>
-          <p:cNvPr id="8" name="Group 7">
-            <a:extLst>
-              <a:ext uri="{FF2B5EF4-FFF2-40B4-BE49-F238E27FC236}">
-                <a16:creationId xmlns:a16="http://schemas.microsoft.com/office/drawing/2014/main" id="{C9242011-469E-3444-B9B3-381E25CB828E}"/>
+          <p:cNvPr id="14" name="Group 13">
+            <a:extLst>
+              <a:ext uri="{FF2B5EF4-FFF2-40B4-BE49-F238E27FC236}">
+                <a16:creationId xmlns:a16="http://schemas.microsoft.com/office/drawing/2014/main" id="{9507CBCA-6A6C-7345-8059-DB3EF0F6203B}"/>
               </a:ext>
             </a:extLst>
           </p:cNvPr>
@@ -4040,7 +4040,7 @@
           <a:xfrm>
             <a:off x="2841373" y="4403215"/>
             <a:ext cx="3451491" cy="1507729"/>
-            <a:chOff x="2264328" y="2340429"/>
+            <a:chOff x="2841373" y="4403215"/>
             <a:chExt cx="3451491" cy="1507729"/>
           </a:xfrm>
         </p:grpSpPr>
@@ -4058,8 +4058,8 @@
           </p:nvSpPr>
           <p:spPr>
             <a:xfrm>
-              <a:off x="4713514" y="2340429"/>
-              <a:ext cx="859972" cy="1088571"/>
+              <a:off x="5290558" y="4403216"/>
+              <a:ext cx="903413" cy="1074264"/>
             </a:xfrm>
             <a:prstGeom prst="rect">
               <a:avLst/>
@@ -4109,7 +4109,7 @@
               </p:nvSpPr>
               <p:spPr>
                 <a:xfrm>
-                  <a:off x="2307771" y="2340429"/>
+                  <a:off x="2884816" y="4403215"/>
                   <a:ext cx="3408048" cy="1038746"/>
                 </a:xfrm>
                 <a:prstGeom prst="rect">
@@ -4430,7 +4430,7 @@
               </p:nvSpPr>
               <p:spPr>
                 <a:xfrm>
-                  <a:off x="2307771" y="2340429"/>
+                  <a:off x="2884816" y="4403215"/>
                   <a:ext cx="3408048" cy="1038746"/>
                 </a:xfrm>
                 <a:prstGeom prst="rect">
@@ -4472,7 +4472,7 @@
           </p:nvSpPr>
           <p:spPr>
             <a:xfrm>
-              <a:off x="2264328" y="3478826"/>
+              <a:off x="2841373" y="5541612"/>
               <a:ext cx="3417859" cy="369332"/>
             </a:xfrm>
             <a:prstGeom prst="rect">
